--- a/Fase uno/Grupal/Presentación Proyecto. pptx.pptx
+++ b/Fase uno/Grupal/Presentación Proyecto. pptx.pptx
@@ -31,7 +31,7 @@
       <p:boldItalic r:id="rId17"/>
     </p:embeddedFont>
     <p:embeddedFont>
-      <p:font typeface="Merriweather" panose="020F0502020204030204" pitchFamily="2" charset="0"/>
+      <p:font typeface="Merriweather" panose="00000500000000000000" pitchFamily="2" charset="0"/>
       <p:regular r:id="rId18"/>
       <p:bold r:id="rId19"/>
       <p:italic r:id="rId20"/>
@@ -275,8 +275,11 @@
     </a:lvl9pPr>
   </p:defaultTextStyle>
   <p:extLst>
+    <p:ext uri="{EFAFB233-063F-42B5-8137-9DF3F51BA10A}">
+      <p15:sldGuideLst xmlns:p15="http://schemas.microsoft.com/office/powerpoint/2012/main"/>
+    </p:ext>
     <p:ext uri="GoogleSlidesCustomDataVersion2">
-      <go:slidesCustomData xmlns:go="http://customooxmlschemas.google.com/" xmlns:ahyp="http://schemas.microsoft.com/office/drawing/2018/hyperlinkcolor" xmlns:p15="http://schemas.microsoft.com/office/powerpoint/2012/main" xmlns:p14="http://schemas.microsoft.com/office/powerpoint/2010/main" xmlns:com="http://schemas.openxmlformats.org/drawingml/2006/compatibility" xmlns:pvml="urn:schemas-microsoft-com:office:powerpoint" xmlns:v="urn:schemas-microsoft-com:vml" xmlns:o="urn:schemas-microsoft-com:office:office" xmlns:dgm="http://schemas.openxmlformats.org/drawingml/2006/diagram" xmlns:c="http://schemas.openxmlformats.org/drawingml/2006/chart" xmlns:mv="urn:schemas-microsoft-com:mac:vml" xmlns:mc="http://schemas.openxmlformats.org/markup-compatibility/2006" xmlns="" r:id="rId30" roundtripDataSignature="AMtx7mijrz4oWb+vtYSooaVWucXPgVfI2Q=="/>
+      <go:slidesCustomData xmlns="" xmlns:mc="http://schemas.openxmlformats.org/markup-compatibility/2006" xmlns:mv="urn:schemas-microsoft-com:mac:vml" xmlns:c="http://schemas.openxmlformats.org/drawingml/2006/chart" xmlns:dgm="http://schemas.openxmlformats.org/drawingml/2006/diagram" xmlns:o="urn:schemas-microsoft-com:office:office" xmlns:v="urn:schemas-microsoft-com:vml" xmlns:pvml="urn:schemas-microsoft-com:office:powerpoint" xmlns:com="http://schemas.openxmlformats.org/drawingml/2006/compatibility" xmlns:p14="http://schemas.microsoft.com/office/powerpoint/2010/main" xmlns:p15="http://schemas.microsoft.com/office/powerpoint/2012/main" xmlns:ahyp="http://schemas.microsoft.com/office/drawing/2018/hyperlinkcolor" xmlns:go="http://customooxmlschemas.google.com/" r:id="rId30" roundtripDataSignature="AMtx7mijrz4oWb+vtYSooaVWucXPgVfI2Q=="/>
     </p:ext>
   </p:extLst>
 </p:presentation>
@@ -298,7 +301,7 @@
         <p15:threadingInfo xmlns:p15="http://schemas.microsoft.com/office/powerpoint/2012/main" timeZoneBias="0"/>
       </p:ext>
       <p:ext uri="http://customooxmlschemas.google.com/">
-        <go:slidesCustomData xmlns:go="http://customooxmlschemas.google.com/" xmlns:ahyp="http://schemas.microsoft.com/office/drawing/2018/hyperlinkcolor" xmlns:p15="http://schemas.microsoft.com/office/powerpoint/2012/main" xmlns:p14="http://schemas.microsoft.com/office/powerpoint/2010/main" xmlns:com="http://schemas.openxmlformats.org/drawingml/2006/compatibility" xmlns:pvml="urn:schemas-microsoft-com:office:powerpoint" xmlns:v="urn:schemas-microsoft-com:vml" xmlns:o="urn:schemas-microsoft-com:office:office" xmlns:dgm="http://schemas.openxmlformats.org/drawingml/2006/diagram" xmlns:c="http://schemas.openxmlformats.org/drawingml/2006/chart" xmlns:mv="urn:schemas-microsoft-com:mac:vml" xmlns:mc="http://schemas.openxmlformats.org/markup-compatibility/2006" xmlns="" commentPostId="AAABpz3hpjI"/>
+        <go:slidesCustomData xmlns="" xmlns:mc="http://schemas.openxmlformats.org/markup-compatibility/2006" xmlns:mv="urn:schemas-microsoft-com:mac:vml" xmlns:c="http://schemas.openxmlformats.org/drawingml/2006/chart" xmlns:dgm="http://schemas.openxmlformats.org/drawingml/2006/diagram" xmlns:o="urn:schemas-microsoft-com:office:office" xmlns:v="urn:schemas-microsoft-com:vml" xmlns:pvml="urn:schemas-microsoft-com:office:powerpoint" xmlns:com="http://schemas.openxmlformats.org/drawingml/2006/compatibility" xmlns:p14="http://schemas.microsoft.com/office/powerpoint/2010/main" xmlns:p15="http://schemas.microsoft.com/office/powerpoint/2012/main" xmlns:ahyp="http://schemas.microsoft.com/office/drawing/2018/hyperlinkcolor" xmlns:go="http://customooxmlschemas.google.com/" commentPostId="AAABpz3hpjI"/>
       </p:ext>
     </p:extLst>
   </p:cm>
@@ -315,7 +318,7 @@
         <p15:threadingInfo xmlns:p15="http://schemas.microsoft.com/office/powerpoint/2012/main" timeZoneBias="0"/>
       </p:ext>
       <p:ext uri="http://customooxmlschemas.google.com/">
-        <go:slidesCustomData xmlns:go="http://customooxmlschemas.google.com/" xmlns:ahyp="http://schemas.microsoft.com/office/drawing/2018/hyperlinkcolor" xmlns:p15="http://schemas.microsoft.com/office/powerpoint/2012/main" xmlns:p14="http://schemas.microsoft.com/office/powerpoint/2010/main" xmlns:com="http://schemas.openxmlformats.org/drawingml/2006/compatibility" xmlns:pvml="urn:schemas-microsoft-com:office:powerpoint" xmlns:v="urn:schemas-microsoft-com:vml" xmlns:o="urn:schemas-microsoft-com:office:office" xmlns:dgm="http://schemas.openxmlformats.org/drawingml/2006/diagram" xmlns:c="http://schemas.openxmlformats.org/drawingml/2006/chart" xmlns:mv="urn:schemas-microsoft-com:mac:vml" xmlns:mc="http://schemas.openxmlformats.org/markup-compatibility/2006" xmlns="" commentPostId="AAABpz3hpjM"/>
+        <go:slidesCustomData xmlns="" xmlns:mc="http://schemas.openxmlformats.org/markup-compatibility/2006" xmlns:mv="urn:schemas-microsoft-com:mac:vml" xmlns:c="http://schemas.openxmlformats.org/drawingml/2006/chart" xmlns:dgm="http://schemas.openxmlformats.org/drawingml/2006/diagram" xmlns:o="urn:schemas-microsoft-com:office:office" xmlns:v="urn:schemas-microsoft-com:vml" xmlns:pvml="urn:schemas-microsoft-com:office:powerpoint" xmlns:com="http://schemas.openxmlformats.org/drawingml/2006/compatibility" xmlns:p14="http://schemas.microsoft.com/office/powerpoint/2010/main" xmlns:p15="http://schemas.microsoft.com/office/powerpoint/2012/main" xmlns:ahyp="http://schemas.microsoft.com/office/drawing/2018/hyperlinkcolor" xmlns:go="http://customooxmlschemas.google.com/" commentPostId="AAABpz3hpjM"/>
       </p:ext>
     </p:extLst>
   </p:cm>
@@ -330,12 +333,12 @@
 Backend: Node.js (robustez y escalabilidad).
 Base de datos: MySQL o PostgreSQL.
 Metodología: Scrum.</p:text>
-    <p:extLst>
+    <p:extLst mod="1">
       <p:ext uri="{C676402C-5697-4E1C-873F-D02D1690AC5C}">
         <p15:threadingInfo xmlns:p15="http://schemas.microsoft.com/office/powerpoint/2012/main" timeZoneBias="0"/>
       </p:ext>
       <p:ext uri="http://customooxmlschemas.google.com/">
-        <go:slidesCustomData xmlns:go="http://customooxmlschemas.google.com/" xmlns:ahyp="http://schemas.microsoft.com/office/drawing/2018/hyperlinkcolor" xmlns:p15="http://schemas.microsoft.com/office/powerpoint/2012/main" xmlns:p14="http://schemas.microsoft.com/office/powerpoint/2010/main" xmlns:com="http://schemas.openxmlformats.org/drawingml/2006/compatibility" xmlns:pvml="urn:schemas-microsoft-com:office:powerpoint" xmlns:v="urn:schemas-microsoft-com:vml" xmlns:o="urn:schemas-microsoft-com:office:office" xmlns:dgm="http://schemas.openxmlformats.org/drawingml/2006/diagram" xmlns:c="http://schemas.openxmlformats.org/drawingml/2006/chart" xmlns:mv="urn:schemas-microsoft-com:mac:vml" xmlns:mc="http://schemas.openxmlformats.org/markup-compatibility/2006" xmlns="" commentPostId="AAABpz3hpjU"/>
+        <go:slidesCustomData xmlns="" xmlns:mc="http://schemas.openxmlformats.org/markup-compatibility/2006" xmlns:mv="urn:schemas-microsoft-com:mac:vml" xmlns:c="http://schemas.openxmlformats.org/drawingml/2006/chart" xmlns:dgm="http://schemas.openxmlformats.org/drawingml/2006/diagram" xmlns:o="urn:schemas-microsoft-com:office:office" xmlns:v="urn:schemas-microsoft-com:vml" xmlns:pvml="urn:schemas-microsoft-com:office:powerpoint" xmlns:com="http://schemas.openxmlformats.org/drawingml/2006/compatibility" xmlns:p14="http://schemas.microsoft.com/office/powerpoint/2010/main" xmlns:p15="http://schemas.microsoft.com/office/powerpoint/2012/main" xmlns:ahyp="http://schemas.microsoft.com/office/drawing/2018/hyperlinkcolor" xmlns:go="http://customooxmlschemas.google.com/" commentPostId="AAABpz3hpjU"/>
       </p:ext>
     </p:extLst>
   </p:cm>
@@ -11151,7 +11154,7 @@
         </p:blipFill>
         <p:spPr>
           <a:xfrm>
-            <a:off x="8141644" y="3663102"/>
+            <a:off x="6107542" y="4000911"/>
             <a:ext cx="1363761" cy="1363761"/>
           </a:xfrm>
           <a:prstGeom prst="rect">
@@ -11205,7 +11208,7 @@
         </p:blipFill>
         <p:spPr>
           <a:xfrm>
-            <a:off x="5808473" y="3742186"/>
+            <a:off x="9113574" y="3827012"/>
             <a:ext cx="1205601" cy="1205601"/>
           </a:xfrm>
           <a:prstGeom prst="rect">
@@ -11261,114 +11264,6 @@
           <a:xfrm>
             <a:off x="787965" y="4338699"/>
             <a:ext cx="1967819" cy="688186"/>
-          </a:xfrm>
-          <a:prstGeom prst="rect">
-            <a:avLst/>
-          </a:prstGeom>
-          <a:noFill/>
-          <a:ln>
-            <a:noFill/>
-          </a:ln>
-        </p:spPr>
-      </p:pic>
-      <p:pic>
-        <p:nvPicPr>
-          <p:cNvPr id="166" name="Google Shape;166;p16" descr="Imagen en blanco y negro de una iglesia&#10;&#10;Descripción generada automáticamente con confianza baja"/>
-          <p:cNvPicPr preferRelativeResize="0"/>
-          <p:nvPr/>
-        </p:nvPicPr>
-        <p:blipFill rotWithShape="1">
-          <a:blip r:embed="rId10">
-            <a:alphaModFix/>
-          </a:blip>
-          <a:srcRect/>
-          <a:stretch/>
-        </p:blipFill>
-        <p:spPr>
-          <a:xfrm>
-            <a:off x="9650468" y="6063360"/>
-            <a:ext cx="2541532" cy="794640"/>
-          </a:xfrm>
-          <a:prstGeom prst="rect">
-            <a:avLst/>
-          </a:prstGeom>
-          <a:noFill/>
-          <a:ln>
-            <a:noFill/>
-          </a:ln>
-        </p:spPr>
-      </p:pic>
-      <p:pic>
-        <p:nvPicPr>
-          <p:cNvPr id="167" name="Google Shape;167;p16" descr="Imagen en blanco y negro de una iglesia&#10;&#10;Descripción generada automáticamente con confianza baja"/>
-          <p:cNvPicPr preferRelativeResize="0"/>
-          <p:nvPr/>
-        </p:nvPicPr>
-        <p:blipFill rotWithShape="1">
-          <a:blip r:embed="rId10">
-            <a:alphaModFix/>
-          </a:blip>
-          <a:srcRect/>
-          <a:stretch/>
-        </p:blipFill>
-        <p:spPr>
-          <a:xfrm>
-            <a:off x="7361289" y="6072786"/>
-            <a:ext cx="2541532" cy="794640"/>
-          </a:xfrm>
-          <a:prstGeom prst="rect">
-            <a:avLst/>
-          </a:prstGeom>
-          <a:noFill/>
-          <a:ln>
-            <a:noFill/>
-          </a:ln>
-        </p:spPr>
-      </p:pic>
-      <p:pic>
-        <p:nvPicPr>
-          <p:cNvPr id="168" name="Google Shape;168;p16" descr="Imagen en blanco y negro de una iglesia&#10;&#10;Descripción generada automáticamente con confianza baja"/>
-          <p:cNvPicPr preferRelativeResize="0"/>
-          <p:nvPr/>
-        </p:nvPicPr>
-        <p:blipFill rotWithShape="1">
-          <a:blip r:embed="rId10">
-            <a:alphaModFix/>
-          </a:blip>
-          <a:srcRect/>
-          <a:stretch/>
-        </p:blipFill>
-        <p:spPr>
-          <a:xfrm>
-            <a:off x="5072110" y="6072785"/>
-            <a:ext cx="2541532" cy="794640"/>
-          </a:xfrm>
-          <a:prstGeom prst="rect">
-            <a:avLst/>
-          </a:prstGeom>
-          <a:noFill/>
-          <a:ln>
-            <a:noFill/>
-          </a:ln>
-        </p:spPr>
-      </p:pic>
-      <p:pic>
-        <p:nvPicPr>
-          <p:cNvPr id="169" name="Google Shape;169;p16" descr="Imagen en blanco y negro de una iglesia&#10;&#10;Descripción generada automáticamente con confianza baja"/>
-          <p:cNvPicPr preferRelativeResize="0"/>
-          <p:nvPr/>
-        </p:nvPicPr>
-        <p:blipFill rotWithShape="1">
-          <a:blip r:embed="rId10">
-            <a:alphaModFix/>
-          </a:blip>
-          <a:srcRect l="-8015" r="8015"/>
-          <a:stretch/>
-        </p:blipFill>
-        <p:spPr>
-          <a:xfrm>
-            <a:off x="504072" y="6072542"/>
-            <a:ext cx="2541532" cy="794639"/>
           </a:xfrm>
           <a:prstGeom prst="rect">
             <a:avLst/>
@@ -11452,34 +11347,6 @@
           <a:xfrm>
             <a:off x="504074" y="1795434"/>
             <a:ext cx="2619375" cy="1743075"/>
-          </a:xfrm>
-          <a:prstGeom prst="rect">
-            <a:avLst/>
-          </a:prstGeom>
-          <a:noFill/>
-          <a:ln>
-            <a:noFill/>
-          </a:ln>
-        </p:spPr>
-      </p:pic>
-      <p:pic>
-        <p:nvPicPr>
-          <p:cNvPr id="173" name="Google Shape;173;p16"/>
-          <p:cNvPicPr preferRelativeResize="0"/>
-          <p:nvPr/>
-        </p:nvPicPr>
-        <p:blipFill>
-          <a:blip r:embed="rId13">
-            <a:alphaModFix/>
-          </a:blip>
-          <a:stretch>
-            <a:fillRect/>
-          </a:stretch>
-        </p:blipFill>
-        <p:spPr>
-          <a:xfrm>
-            <a:off x="7014081" y="5174459"/>
-            <a:ext cx="2560241" cy="1595643"/>
           </a:xfrm>
           <a:prstGeom prst="rect">
             <a:avLst/>
@@ -12826,7 +12693,7 @@
         </p:nvGraphicFramePr>
         <p:xfrm>
           <a:off x="1585014" y="1937455"/>
-          <a:ext cx="3000000" cy="3000000"/>
+          <a:ext cx="8140775" cy="2849940"/>
         </p:xfrm>
         <a:graphic>
           <a:graphicData uri="http://schemas.openxmlformats.org/drawingml/2006/table">
@@ -14603,7 +14470,7 @@
         </p:nvGraphicFramePr>
         <p:xfrm>
           <a:off x="3407512" y="5323305"/>
-          <a:ext cx="3000000" cy="3000000"/>
+          <a:ext cx="4720500" cy="1458140"/>
         </p:xfrm>
         <a:graphic>
           <a:graphicData uri="http://schemas.openxmlformats.org/drawingml/2006/table">
@@ -15399,7 +15266,7 @@
               <a:buNone/>
             </a:pPr>
             <a:r>
-              <a:rPr lang="es-CL" sz="2800" b="1" i="0" u="none" strike="noStrike" cap="none">
+              <a:rPr lang="es-CL" sz="2800" b="1" i="0" u="none" strike="noStrike" cap="none" dirty="0">
                 <a:solidFill>
                   <a:schemeClr val="dk1"/>
                 </a:solidFill>
@@ -15411,7 +15278,7 @@
               <a:t>1. </a:t>
             </a:r>
             <a:r>
-              <a:rPr lang="es-CL" sz="2800" b="1">
+              <a:rPr lang="es-CL" sz="2800" b="1" dirty="0">
                 <a:solidFill>
                   <a:schemeClr val="dk1"/>
                 </a:solidFill>
@@ -15423,7 +15290,7 @@
               <a:t>Administración </a:t>
             </a:r>
             <a:r>
-              <a:rPr lang="es-CL" sz="2800" b="1" i="0" u="none" strike="noStrike" cap="none">
+              <a:rPr lang="es-CL" sz="2800" b="1" i="0" u="none" strike="noStrike" cap="none" dirty="0">
                 <a:solidFill>
                   <a:schemeClr val="dk1"/>
                 </a:solidFill>
@@ -15434,7 +15301,7 @@
               </a:rPr>
               <a:t>de usuarios.</a:t>
             </a:r>
-            <a:endParaRPr sz="2800" b="1" i="0" u="none" strike="noStrike" cap="none">
+            <a:endParaRPr sz="2800" b="1" i="0" u="none" strike="noStrike" cap="none" dirty="0">
               <a:solidFill>
                 <a:schemeClr val="dk1"/>
               </a:solidFill>
@@ -15463,7 +15330,7 @@
               <a:buNone/>
             </a:pPr>
             <a:r>
-              <a:rPr lang="es-CL" sz="2800" b="1" i="0" u="none" strike="noStrike" cap="none">
+              <a:rPr lang="es-CL" sz="2800" b="1" i="0" u="none" strike="noStrike" cap="none" dirty="0">
                 <a:solidFill>
                   <a:schemeClr val="dk1"/>
                 </a:solidFill>
@@ -15475,7 +15342,7 @@
               <a:t>2. </a:t>
             </a:r>
             <a:r>
-              <a:rPr lang="es-CL" sz="2800" b="1">
+              <a:rPr lang="es-CL" sz="2800" b="1" dirty="0">
                 <a:solidFill>
                   <a:schemeClr val="dk1"/>
                 </a:solidFill>
@@ -15487,7 +15354,7 @@
               <a:t>Administración</a:t>
             </a:r>
             <a:r>
-              <a:rPr lang="es-CL" sz="2800" b="1" i="0" u="none" strike="noStrike" cap="none">
+              <a:rPr lang="es-CL" sz="2800" b="1" i="0" u="none" strike="noStrike" cap="none" dirty="0">
                 <a:solidFill>
                   <a:schemeClr val="dk1"/>
                 </a:solidFill>
@@ -15498,7 +15365,7 @@
               </a:rPr>
               <a:t> de comunidades.</a:t>
             </a:r>
-            <a:endParaRPr sz="2800" b="1" i="0" u="none" strike="noStrike" cap="none">
+            <a:endParaRPr sz="2800" b="1" i="0" u="none" strike="noStrike" cap="none" dirty="0">
               <a:solidFill>
                 <a:schemeClr val="dk1"/>
               </a:solidFill>
@@ -15527,7 +15394,7 @@
               <a:buNone/>
             </a:pPr>
             <a:r>
-              <a:rPr lang="es-CL" sz="2800" b="1" i="0" u="none" strike="noStrike" cap="none">
+              <a:rPr lang="es-CL" sz="2800" b="1" i="0" u="none" strike="noStrike" cap="none" dirty="0">
                 <a:solidFill>
                   <a:schemeClr val="dk1"/>
                 </a:solidFill>
@@ -15539,7 +15406,7 @@
               <a:t>3. </a:t>
             </a:r>
             <a:r>
-              <a:rPr lang="es-CL" sz="2800" b="1">
+              <a:rPr lang="es-CL" sz="2800" b="1" dirty="0">
                 <a:solidFill>
                   <a:schemeClr val="dk1"/>
                 </a:solidFill>
@@ -15551,7 +15418,7 @@
               <a:t>Administración</a:t>
             </a:r>
             <a:r>
-              <a:rPr lang="es-CL" sz="2800" b="1" i="0" u="none" strike="noStrike" cap="none">
+              <a:rPr lang="es-CL" sz="2800" b="1" i="0" u="none" strike="noStrike" cap="none" dirty="0">
                 <a:solidFill>
                   <a:schemeClr val="dk1"/>
                 </a:solidFill>
@@ -15562,7 +15429,7 @@
               </a:rPr>
               <a:t> de unidades.</a:t>
             </a:r>
-            <a:endParaRPr sz="2800" b="1" i="0" u="none" strike="noStrike" cap="none">
+            <a:endParaRPr sz="2800" b="1" i="0" u="none" strike="noStrike" cap="none" dirty="0">
               <a:solidFill>
                 <a:schemeClr val="dk1"/>
               </a:solidFill>
@@ -15591,7 +15458,7 @@
               <a:buNone/>
             </a:pPr>
             <a:r>
-              <a:rPr lang="es-CL" sz="2800" b="1" i="0" u="none" strike="noStrike" cap="none">
+              <a:rPr lang="es-CL" sz="2800" b="1" i="0" u="none" strike="noStrike" cap="none" dirty="0">
                 <a:solidFill>
                   <a:schemeClr val="dk1"/>
                 </a:solidFill>
@@ -15603,7 +15470,7 @@
               <a:t>4. </a:t>
             </a:r>
             <a:r>
-              <a:rPr lang="es-CL" sz="2800" b="1">
+              <a:rPr lang="es-CL" sz="2800" b="1" dirty="0">
                 <a:solidFill>
                   <a:schemeClr val="dk1"/>
                 </a:solidFill>
@@ -15615,7 +15482,7 @@
               <a:t>Administración</a:t>
             </a:r>
             <a:r>
-              <a:rPr lang="es-CL" sz="2800" b="1" i="0" u="none" strike="noStrike" cap="none">
+              <a:rPr lang="es-CL" sz="2800" b="1" i="0" u="none" strike="noStrike" cap="none" dirty="0">
                 <a:solidFill>
                   <a:schemeClr val="dk1"/>
                 </a:solidFill>
@@ -15626,7 +15493,7 @@
               </a:rPr>
               <a:t> de ingresos.</a:t>
             </a:r>
-            <a:endParaRPr sz="2800" b="1" i="0" u="none" strike="noStrike" cap="none">
+            <a:endParaRPr sz="2800" b="1" i="0" u="none" strike="noStrike" cap="none" dirty="0">
               <a:solidFill>
                 <a:schemeClr val="dk1"/>
               </a:solidFill>
@@ -15655,7 +15522,7 @@
               <a:buNone/>
             </a:pPr>
             <a:r>
-              <a:rPr lang="es-CL" sz="2800" b="1" i="0" u="none" strike="noStrike" cap="none">
+              <a:rPr lang="es-CL" sz="2800" b="1" i="0" u="none" strike="noStrike" cap="none" dirty="0">
                 <a:solidFill>
                   <a:schemeClr val="dk1"/>
                 </a:solidFill>
@@ -15667,7 +15534,7 @@
               <a:t>5. </a:t>
             </a:r>
             <a:r>
-              <a:rPr lang="es-CL" sz="2800" b="1">
+              <a:rPr lang="es-CL" sz="2800" b="1" dirty="0">
                 <a:solidFill>
                   <a:schemeClr val="dk1"/>
                 </a:solidFill>
@@ -15679,7 +15546,7 @@
               <a:t>Administración</a:t>
             </a:r>
             <a:r>
-              <a:rPr lang="es-CL" sz="2800" b="1" i="0" u="none" strike="noStrike" cap="none">
+              <a:rPr lang="es-CL" sz="2800" b="1" i="0" u="none" strike="noStrike" cap="none" dirty="0">
                 <a:solidFill>
                   <a:schemeClr val="dk1"/>
                 </a:solidFill>
@@ -15690,7 +15557,7 @@
               </a:rPr>
               <a:t> de egresos.</a:t>
             </a:r>
-            <a:endParaRPr sz="2800" b="1" i="0" u="none" strike="noStrike" cap="none">
+            <a:endParaRPr sz="2800" b="1" i="0" u="none" strike="noStrike" cap="none" dirty="0">
               <a:solidFill>
                 <a:schemeClr val="dk1"/>
               </a:solidFill>
@@ -15719,7 +15586,7 @@
               <a:buNone/>
             </a:pPr>
             <a:r>
-              <a:rPr lang="es-CL" sz="2800" b="1" i="0" u="none" strike="noStrike" cap="none">
+              <a:rPr lang="es-CL" sz="2800" b="1" i="0" u="none" strike="noStrike" cap="none" dirty="0">
                 <a:solidFill>
                   <a:schemeClr val="dk1"/>
                 </a:solidFill>
@@ -15730,7 +15597,7 @@
               </a:rPr>
               <a:t>6. Cálculo de gastos comunes.</a:t>
             </a:r>
-            <a:endParaRPr>
+            <a:endParaRPr dirty="0">
               <a:solidFill>
                 <a:schemeClr val="dk1"/>
               </a:solidFill>
@@ -15755,7 +15622,7 @@
               <a:buNone/>
             </a:pPr>
             <a:r>
-              <a:rPr lang="es-CL" sz="2800" b="1" i="0" u="none" strike="noStrike" cap="none">
+              <a:rPr lang="es-CL" sz="2800" b="1" i="0" u="none" strike="noStrike" cap="none" dirty="0">
                 <a:solidFill>
                   <a:schemeClr val="dk1"/>
                 </a:solidFill>
@@ -15766,7 +15633,7 @@
               </a:rPr>
               <a:t>7. Accesibilidad multiplataforma.</a:t>
             </a:r>
-            <a:endParaRPr sz="2800" b="1" i="0" u="none" strike="noStrike" cap="none">
+            <a:endParaRPr sz="2800" b="1" i="0" u="none" strike="noStrike" cap="none" dirty="0">
               <a:solidFill>
                 <a:schemeClr val="dk1"/>
               </a:solidFill>
@@ -15795,7 +15662,7 @@
               <a:buNone/>
             </a:pPr>
             <a:r>
-              <a:rPr lang="es-CL" sz="2800" b="1" i="0" u="none" strike="noStrike" cap="none">
+              <a:rPr lang="es-CL" sz="2800" b="1" i="0" u="none" strike="noStrike" cap="none" dirty="0">
                 <a:solidFill>
                   <a:schemeClr val="dk1"/>
                 </a:solidFill>
@@ -15806,7 +15673,7 @@
               </a:rPr>
               <a:t>8. Pago electrónico.</a:t>
             </a:r>
-            <a:endParaRPr sz="2800" b="1" i="0" u="none" strike="noStrike" cap="none">
+            <a:endParaRPr sz="2800" b="1" i="0" u="none" strike="noStrike" cap="none" dirty="0">
               <a:solidFill>
                 <a:schemeClr val="dk1"/>
               </a:solidFill>
@@ -15999,7 +15866,7 @@
         </p:spPr>
         <p:txBody>
           <a:bodyPr spcFirstLastPara="1" wrap="square" lIns="91425" tIns="45700" rIns="91425" bIns="45700" anchor="t" anchorCtr="0">
-            <a:normAutofit lnSpcReduction="10000"/>
+            <a:normAutofit/>
           </a:bodyPr>
           <a:lstStyle/>
           <a:p>
@@ -16016,7 +15883,7 @@
               <a:buSzPts val="1800"/>
               <a:buNone/>
             </a:pPr>
-            <a:endParaRPr>
+            <a:endParaRPr dirty="0">
               <a:solidFill>
                 <a:schemeClr val="dk1"/>
               </a:solidFill>
@@ -16036,7 +15903,7 @@
               <a:buSzPts val="1800"/>
               <a:buNone/>
             </a:pPr>
-            <a:endParaRPr sz="2400" b="1">
+            <a:endParaRPr sz="2400" b="1" dirty="0">
               <a:solidFill>
                 <a:schemeClr val="dk1"/>
               </a:solidFill>
@@ -16057,14 +15924,14 @@
               <a:buNone/>
             </a:pPr>
             <a:r>
-              <a:rPr lang="es-CL" sz="2400" b="1">
+              <a:rPr lang="es-CL" sz="2400" b="1" dirty="0">
                 <a:solidFill>
                   <a:schemeClr val="dk1"/>
                 </a:solidFill>
               </a:rPr>
               <a:t>	Sprint 0 Configuración y creación de diagramas.</a:t>
             </a:r>
-            <a:endParaRPr>
+            <a:endParaRPr dirty="0">
               <a:solidFill>
                 <a:schemeClr val="dk1"/>
               </a:solidFill>
@@ -16085,7 +15952,7 @@
               <a:buNone/>
             </a:pPr>
             <a:r>
-              <a:rPr lang="es-CL" sz="2400" b="1">
+              <a:rPr lang="es-CL" sz="2400" b="1" dirty="0">
                 <a:solidFill>
                   <a:schemeClr val="dk1"/>
                 </a:solidFill>
@@ -16093,7 +15960,7 @@
               <a:t>	Sprint 1 </a:t>
             </a:r>
             <a:r>
-              <a:rPr lang="es-CL" sz="2800" b="1">
+              <a:rPr lang="es-CL" sz="2800" b="1" dirty="0">
                 <a:solidFill>
                   <a:schemeClr val="dk1"/>
                 </a:solidFill>
@@ -16105,14 +15972,14 @@
               <a:t>Administración</a:t>
             </a:r>
             <a:r>
-              <a:rPr lang="es-CL" sz="2400" b="1">
+              <a:rPr lang="es-CL" sz="2400" b="1" dirty="0">
                 <a:solidFill>
                   <a:schemeClr val="dk1"/>
                 </a:solidFill>
               </a:rPr>
               <a:t> operacional. </a:t>
             </a:r>
-            <a:endParaRPr>
+            <a:endParaRPr dirty="0">
               <a:solidFill>
                 <a:schemeClr val="dk1"/>
               </a:solidFill>
@@ -16133,7 +16000,7 @@
               <a:buNone/>
             </a:pPr>
             <a:r>
-              <a:rPr lang="es-CL" sz="2400" b="1">
+              <a:rPr lang="es-CL" sz="2400" b="1" dirty="0">
                 <a:solidFill>
                   <a:schemeClr val="dk1"/>
                 </a:solidFill>
@@ -16141,7 +16008,7 @@
               <a:t>	Sprint 2 </a:t>
             </a:r>
             <a:r>
-              <a:rPr lang="es-CL" sz="2800" b="1">
+              <a:rPr lang="es-CL" sz="2800" b="1" dirty="0">
                 <a:solidFill>
                   <a:schemeClr val="dk1"/>
                 </a:solidFill>
@@ -16153,14 +16020,37 @@
               <a:t>Administración</a:t>
             </a:r>
             <a:r>
-              <a:rPr lang="es-CL" sz="2400" b="1">
+              <a:rPr lang="es-CL" sz="2400" b="1" dirty="0">
                 <a:solidFill>
                   <a:schemeClr val="dk1"/>
                 </a:solidFill>
               </a:rPr>
               <a:t> financiera.</a:t>
             </a:r>
-            <a:endParaRPr>
+          </a:p>
+          <a:p>
+            <a:pPr marL="114300" lvl="0" indent="0" algn="l" rtl="0">
+              <a:lnSpc>
+                <a:spcPct val="90000"/>
+              </a:lnSpc>
+              <a:spcBef>
+                <a:spcPts val="1000"/>
+              </a:spcBef>
+              <a:spcAft>
+                <a:spcPts val="0"/>
+              </a:spcAft>
+              <a:buSzPts val="1800"/>
+              <a:buNone/>
+            </a:pPr>
+            <a:r>
+              <a:rPr lang="es-CL" sz="2400" b="1" dirty="0">
+                <a:solidFill>
+                  <a:schemeClr val="dk1"/>
+                </a:solidFill>
+              </a:rPr>
+              <a:t>          Sprint 3 </a:t>
+            </a:r>
+            <a:endParaRPr dirty="0">
               <a:solidFill>
                 <a:schemeClr val="dk1"/>
               </a:solidFill>
@@ -16181,90 +16071,14 @@
               <a:buNone/>
             </a:pPr>
             <a:r>
-              <a:rPr lang="es-CL" sz="2400" b="1">
+              <a:rPr lang="es-CL" sz="2400" b="1" dirty="0">
                 <a:solidFill>
                   <a:schemeClr val="dk1"/>
                 </a:solidFill>
               </a:rPr>
-              <a:t>	Sprint 3 </a:t>
+              <a:t>	Sprint 4 Documentación cierre proyecto</a:t>
             </a:r>
-            <a:r>
-              <a:rPr lang="es-CL" sz="2800" b="1">
-                <a:solidFill>
-                  <a:schemeClr val="dk1"/>
-                </a:solidFill>
-                <a:latin typeface="Calibri"/>
-                <a:ea typeface="Calibri"/>
-                <a:cs typeface="Calibri"/>
-                <a:sym typeface="Calibri"/>
-              </a:rPr>
-              <a:t>Administración</a:t>
-            </a:r>
-            <a:r>
-              <a:rPr lang="es-CL" sz="2400" b="1">
-                <a:solidFill>
-                  <a:schemeClr val="dk1"/>
-                </a:solidFill>
-              </a:rPr>
-              <a:t> de personal.</a:t>
-            </a:r>
-            <a:endParaRPr>
-              <a:solidFill>
-                <a:schemeClr val="dk1"/>
-              </a:solidFill>
-            </a:endParaRPr>
-          </a:p>
-          <a:p>
-            <a:pPr marL="114300" lvl="0" indent="0" algn="l" rtl="0">
-              <a:lnSpc>
-                <a:spcPct val="90000"/>
-              </a:lnSpc>
-              <a:spcBef>
-                <a:spcPts val="1000"/>
-              </a:spcBef>
-              <a:spcAft>
-                <a:spcPts val="0"/>
-              </a:spcAft>
-              <a:buSzPts val="1800"/>
-              <a:buNone/>
-            </a:pPr>
-            <a:r>
-              <a:rPr lang="es-CL" sz="2400" b="1">
-                <a:solidFill>
-                  <a:schemeClr val="dk1"/>
-                </a:solidFill>
-              </a:rPr>
-              <a:t>	Sprint 4 Informes</a:t>
-            </a:r>
-            <a:endParaRPr>
-              <a:solidFill>
-                <a:schemeClr val="dk1"/>
-              </a:solidFill>
-            </a:endParaRPr>
-          </a:p>
-          <a:p>
-            <a:pPr marL="114300" lvl="0" indent="0" algn="l" rtl="0">
-              <a:lnSpc>
-                <a:spcPct val="90000"/>
-              </a:lnSpc>
-              <a:spcBef>
-                <a:spcPts val="1000"/>
-              </a:spcBef>
-              <a:spcAft>
-                <a:spcPts val="0"/>
-              </a:spcAft>
-              <a:buSzPts val="1800"/>
-              <a:buNone/>
-            </a:pPr>
-            <a:r>
-              <a:rPr lang="es-CL" sz="2400" b="1">
-                <a:solidFill>
-                  <a:schemeClr val="dk1"/>
-                </a:solidFill>
-              </a:rPr>
-              <a:t>	Sprint 5 Documentación cierre proyecto</a:t>
-            </a:r>
-            <a:endParaRPr>
+            <a:endParaRPr dirty="0">
               <a:solidFill>
                 <a:schemeClr val="dk1"/>
               </a:solidFill>
@@ -16581,7 +16395,7 @@
         </p:nvGraphicFramePr>
         <p:xfrm>
           <a:off x="7082226" y="3203706"/>
-          <a:ext cx="3000000" cy="3000000"/>
+          <a:ext cx="4448475" cy="1005860"/>
         </p:xfrm>
         <a:graphic>
           <a:graphicData uri="http://schemas.openxmlformats.org/drawingml/2006/table">
@@ -17003,7 +16817,7 @@
         </p:nvGraphicFramePr>
         <p:xfrm>
           <a:off x="536010" y="2002852"/>
-          <a:ext cx="3000000" cy="3000000"/>
+          <a:ext cx="10933700" cy="4358448"/>
         </p:xfrm>
         <a:graphic>
           <a:graphicData uri="http://schemas.openxmlformats.org/drawingml/2006/table">

--- a/Fase uno/Grupal/Presentación Proyecto. pptx.pptx
+++ b/Fase uno/Grupal/Presentación Proyecto. pptx.pptx
@@ -279,7 +279,7 @@
       <p15:sldGuideLst xmlns:p15="http://schemas.microsoft.com/office/powerpoint/2012/main"/>
     </p:ext>
     <p:ext uri="GoogleSlidesCustomDataVersion2">
-      <go:slidesCustomData xmlns="" xmlns:mc="http://schemas.openxmlformats.org/markup-compatibility/2006" xmlns:mv="urn:schemas-microsoft-com:mac:vml" xmlns:c="http://schemas.openxmlformats.org/drawingml/2006/chart" xmlns:dgm="http://schemas.openxmlformats.org/drawingml/2006/diagram" xmlns:o="urn:schemas-microsoft-com:office:office" xmlns:v="urn:schemas-microsoft-com:vml" xmlns:pvml="urn:schemas-microsoft-com:office:powerpoint" xmlns:com="http://schemas.openxmlformats.org/drawingml/2006/compatibility" xmlns:p14="http://schemas.microsoft.com/office/powerpoint/2010/main" xmlns:p15="http://schemas.microsoft.com/office/powerpoint/2012/main" xmlns:ahyp="http://schemas.microsoft.com/office/drawing/2018/hyperlinkcolor" xmlns:go="http://customooxmlschemas.google.com/" r:id="rId30" roundtripDataSignature="AMtx7mijrz4oWb+vtYSooaVWucXPgVfI2Q=="/>
+      <go:slidesCustomData xmlns:go="http://customooxmlschemas.google.com/" xmlns:ahyp="http://schemas.microsoft.com/office/drawing/2018/hyperlinkcolor" xmlns:p15="http://schemas.microsoft.com/office/powerpoint/2012/main" xmlns:p14="http://schemas.microsoft.com/office/powerpoint/2010/main" xmlns:com="http://schemas.openxmlformats.org/drawingml/2006/compatibility" xmlns:pvml="urn:schemas-microsoft-com:office:powerpoint" xmlns:v="urn:schemas-microsoft-com:vml" xmlns:o="urn:schemas-microsoft-com:office:office" xmlns:dgm="http://schemas.openxmlformats.org/drawingml/2006/diagram" xmlns:c="http://schemas.openxmlformats.org/drawingml/2006/chart" xmlns:mv="urn:schemas-microsoft-com:mac:vml" xmlns:mc="http://schemas.openxmlformats.org/markup-compatibility/2006" xmlns="" r:id="rId30" roundtripDataSignature="AMtx7mijrz4oWb+vtYSooaVWucXPgVfI2Q=="/>
     </p:ext>
   </p:extLst>
 </p:presentation>
@@ -301,7 +301,7 @@
         <p15:threadingInfo xmlns:p15="http://schemas.microsoft.com/office/powerpoint/2012/main" timeZoneBias="0"/>
       </p:ext>
       <p:ext uri="http://customooxmlschemas.google.com/">
-        <go:slidesCustomData xmlns="" xmlns:mc="http://schemas.openxmlformats.org/markup-compatibility/2006" xmlns:mv="urn:schemas-microsoft-com:mac:vml" xmlns:c="http://schemas.openxmlformats.org/drawingml/2006/chart" xmlns:dgm="http://schemas.openxmlformats.org/drawingml/2006/diagram" xmlns:o="urn:schemas-microsoft-com:office:office" xmlns:v="urn:schemas-microsoft-com:vml" xmlns:pvml="urn:schemas-microsoft-com:office:powerpoint" xmlns:com="http://schemas.openxmlformats.org/drawingml/2006/compatibility" xmlns:p14="http://schemas.microsoft.com/office/powerpoint/2010/main" xmlns:p15="http://schemas.microsoft.com/office/powerpoint/2012/main" xmlns:ahyp="http://schemas.microsoft.com/office/drawing/2018/hyperlinkcolor" xmlns:go="http://customooxmlschemas.google.com/" commentPostId="AAABpz3hpjI"/>
+        <go:slidesCustomData xmlns:go="http://customooxmlschemas.google.com/" xmlns:ahyp="http://schemas.microsoft.com/office/drawing/2018/hyperlinkcolor" xmlns:p15="http://schemas.microsoft.com/office/powerpoint/2012/main" xmlns:p14="http://schemas.microsoft.com/office/powerpoint/2010/main" xmlns:com="http://schemas.openxmlformats.org/drawingml/2006/compatibility" xmlns:pvml="urn:schemas-microsoft-com:office:powerpoint" xmlns:v="urn:schemas-microsoft-com:vml" xmlns:o="urn:schemas-microsoft-com:office:office" xmlns:dgm="http://schemas.openxmlformats.org/drawingml/2006/diagram" xmlns:c="http://schemas.openxmlformats.org/drawingml/2006/chart" xmlns:mv="urn:schemas-microsoft-com:mac:vml" xmlns:mc="http://schemas.openxmlformats.org/markup-compatibility/2006" xmlns="" commentPostId="AAABpz3hpjI"/>
       </p:ext>
     </p:extLst>
   </p:cm>
@@ -318,7 +318,7 @@
         <p15:threadingInfo xmlns:p15="http://schemas.microsoft.com/office/powerpoint/2012/main" timeZoneBias="0"/>
       </p:ext>
       <p:ext uri="http://customooxmlschemas.google.com/">
-        <go:slidesCustomData xmlns="" xmlns:mc="http://schemas.openxmlformats.org/markup-compatibility/2006" xmlns:mv="urn:schemas-microsoft-com:mac:vml" xmlns:c="http://schemas.openxmlformats.org/drawingml/2006/chart" xmlns:dgm="http://schemas.openxmlformats.org/drawingml/2006/diagram" xmlns:o="urn:schemas-microsoft-com:office:office" xmlns:v="urn:schemas-microsoft-com:vml" xmlns:pvml="urn:schemas-microsoft-com:office:powerpoint" xmlns:com="http://schemas.openxmlformats.org/drawingml/2006/compatibility" xmlns:p14="http://schemas.microsoft.com/office/powerpoint/2010/main" xmlns:p15="http://schemas.microsoft.com/office/powerpoint/2012/main" xmlns:ahyp="http://schemas.microsoft.com/office/drawing/2018/hyperlinkcolor" xmlns:go="http://customooxmlschemas.google.com/" commentPostId="AAABpz3hpjM"/>
+        <go:slidesCustomData xmlns:go="http://customooxmlschemas.google.com/" xmlns:ahyp="http://schemas.microsoft.com/office/drawing/2018/hyperlinkcolor" xmlns:p15="http://schemas.microsoft.com/office/powerpoint/2012/main" xmlns:p14="http://schemas.microsoft.com/office/powerpoint/2010/main" xmlns:com="http://schemas.openxmlformats.org/drawingml/2006/compatibility" xmlns:pvml="urn:schemas-microsoft-com:office:powerpoint" xmlns:v="urn:schemas-microsoft-com:vml" xmlns:o="urn:schemas-microsoft-com:office:office" xmlns:dgm="http://schemas.openxmlformats.org/drawingml/2006/diagram" xmlns:c="http://schemas.openxmlformats.org/drawingml/2006/chart" xmlns:mv="urn:schemas-microsoft-com:mac:vml" xmlns:mc="http://schemas.openxmlformats.org/markup-compatibility/2006" xmlns="" commentPostId="AAABpz3hpjM"/>
       </p:ext>
     </p:extLst>
   </p:cm>
@@ -338,7 +338,7 @@
         <p15:threadingInfo xmlns:p15="http://schemas.microsoft.com/office/powerpoint/2012/main" timeZoneBias="0"/>
       </p:ext>
       <p:ext uri="http://customooxmlschemas.google.com/">
-        <go:slidesCustomData xmlns="" xmlns:mc="http://schemas.openxmlformats.org/markup-compatibility/2006" xmlns:mv="urn:schemas-microsoft-com:mac:vml" xmlns:c="http://schemas.openxmlformats.org/drawingml/2006/chart" xmlns:dgm="http://schemas.openxmlformats.org/drawingml/2006/diagram" xmlns:o="urn:schemas-microsoft-com:office:office" xmlns:v="urn:schemas-microsoft-com:vml" xmlns:pvml="urn:schemas-microsoft-com:office:powerpoint" xmlns:com="http://schemas.openxmlformats.org/drawingml/2006/compatibility" xmlns:p14="http://schemas.microsoft.com/office/powerpoint/2010/main" xmlns:p15="http://schemas.microsoft.com/office/powerpoint/2012/main" xmlns:ahyp="http://schemas.microsoft.com/office/drawing/2018/hyperlinkcolor" xmlns:go="http://customooxmlschemas.google.com/" commentPostId="AAABpz3hpjU"/>
+        <go:slidesCustomData xmlns:go="http://customooxmlschemas.google.com/" xmlns:ahyp="http://schemas.microsoft.com/office/drawing/2018/hyperlinkcolor" xmlns:p15="http://schemas.microsoft.com/office/powerpoint/2012/main" xmlns:p14="http://schemas.microsoft.com/office/powerpoint/2010/main" xmlns:com="http://schemas.openxmlformats.org/drawingml/2006/compatibility" xmlns:pvml="urn:schemas-microsoft-com:office:powerpoint" xmlns:v="urn:schemas-microsoft-com:vml" xmlns:o="urn:schemas-microsoft-com:office:office" xmlns:dgm="http://schemas.openxmlformats.org/drawingml/2006/diagram" xmlns:c="http://schemas.openxmlformats.org/drawingml/2006/chart" xmlns:mv="urn:schemas-microsoft-com:mac:vml" xmlns:mc="http://schemas.openxmlformats.org/markup-compatibility/2006" xmlns="" commentPostId="AAABpz3hpjU"/>
       </p:ext>
     </p:extLst>
   </p:cm>
@@ -15866,7 +15866,7 @@
         </p:spPr>
         <p:txBody>
           <a:bodyPr spcFirstLastPara="1" wrap="square" lIns="91425" tIns="45700" rIns="91425" bIns="45700" anchor="t" anchorCtr="0">
-            <a:normAutofit/>
+            <a:normAutofit lnSpcReduction="10000"/>
           </a:bodyPr>
           <a:lstStyle/>
           <a:p>
@@ -16048,7 +16048,30 @@
                   <a:schemeClr val="dk1"/>
                 </a:solidFill>
               </a:rPr>
-              <a:t>          Sprint 3 </a:t>
+              <a:t>	Sprint 3 Administración de personal.</a:t>
+            </a:r>
+          </a:p>
+          <a:p>
+            <a:pPr marL="114300" lvl="0" indent="0" algn="l" rtl="0">
+              <a:lnSpc>
+                <a:spcPct val="90000"/>
+              </a:lnSpc>
+              <a:spcBef>
+                <a:spcPts val="1000"/>
+              </a:spcBef>
+              <a:spcAft>
+                <a:spcPts val="0"/>
+              </a:spcAft>
+              <a:buSzPts val="1800"/>
+              <a:buNone/>
+            </a:pPr>
+            <a:r>
+              <a:rPr lang="es-CL" sz="2400" b="1" dirty="0">
+                <a:solidFill>
+                  <a:schemeClr val="dk1"/>
+                </a:solidFill>
+              </a:rPr>
+              <a:t>          Sprint 4 Administración de informe.</a:t>
             </a:r>
             <a:endParaRPr dirty="0">
               <a:solidFill>
@@ -16076,7 +16099,7 @@
                   <a:schemeClr val="dk1"/>
                 </a:solidFill>
               </a:rPr>
-              <a:t>	Sprint 4 Documentación cierre proyecto</a:t>
+              <a:t>	Sprint 5 Documentación cierre proyecto</a:t>
             </a:r>
             <a:endParaRPr dirty="0">
               <a:solidFill>
